--- a/images/rsoy_completion.pptx
+++ b/images/rsoy_completion.pptx
@@ -2,12 +2,12 @@
 <file path=ppt/presentation.xml><?xml version="1.0" encoding="utf-8"?>
 <p:presentation xmlns:a="http://schemas.openxmlformats.org/drawingml/2006/main" xmlns:r="http://schemas.openxmlformats.org/officeDocument/2006/relationships" xmlns:p="http://schemas.openxmlformats.org/presentationml/2006/main" saveSubsetFonts="1">
   <p:sldMasterIdLst>
-    <p:sldMasterId id="2147483660" r:id="rId1"/>
+    <p:sldMasterId id="2147483672" r:id="rId1"/>
   </p:sldMasterIdLst>
   <p:sldIdLst>
     <p:sldId id="256" r:id="rId2"/>
   </p:sldIdLst>
-  <p:sldSz cx="9144000" cy="6858000" type="screen4x3"/>
+  <p:sldSz cx="11430000" cy="5029200"/>
   <p:notesSz cx="6858000" cy="9144000"/>
   <p:defaultTextStyle>
     <a:defPPr>
@@ -134,10 +134,10 @@
           <c:layoutTarget val="inner"/>
           <c:xMode val="edge"/>
           <c:yMode val="edge"/>
-          <c:x val="0.17810155393330845"/>
-          <c:y val="0.10558136482939633"/>
-          <c:w val="0.66273776800654027"/>
-          <c:h val="0.62390478273549144"/>
+          <c:x val="0.15143490813648292"/>
+          <c:y val="0.11820766722341526"/>
+          <c:w val="0.82839860017497813"/>
+          <c:h val="0.61127853336514759"/>
         </c:manualLayout>
       </c:layout>
       <c:barChart>
@@ -176,7 +176,7 @@
                   <a:bodyPr/>
                   <a:lstStyle/>
                   <a:p>
-                    <a:fld id="{AC01080E-100F-4D19-B554-D124B508FC68}" type="CELLRANGE">
+                    <a:fld id="{C6CAE1CE-8D5D-4E3A-ADDB-7150851E2D1E}" type="CELLRANGE">
                       <a:rPr lang="en-US"/>
                       <a:pPr/>
                       <a:t>[CELLRANGE]</a:t>
@@ -210,7 +210,7 @@
                   <a:bodyPr/>
                   <a:lstStyle/>
                   <a:p>
-                    <a:fld id="{A9F979D1-F9A6-4DA8-8ADB-1F8D6CDD6882}" type="CELLRANGE">
+                    <a:fld id="{68EFD304-250D-4B3F-8178-64C7992C46FD}" type="CELLRANGE">
                       <a:rPr lang="en-US"/>
                       <a:pPr/>
                       <a:t>[CELLRANGE]</a:t>
@@ -244,7 +244,7 @@
                   <a:bodyPr/>
                   <a:lstStyle/>
                   <a:p>
-                    <a:fld id="{B8F3BDA4-CD29-4710-8B33-37FA036B8CC7}" type="CELLRANGE">
+                    <a:fld id="{102B66EB-6526-4076-A74C-DD175F6539BE}" type="CELLRANGE">
                       <a:rPr lang="en-US"/>
                       <a:pPr/>
                       <a:t>[CELLRANGE]</a:t>
@@ -278,7 +278,7 @@
                   <a:bodyPr/>
                   <a:lstStyle/>
                   <a:p>
-                    <a:fld id="{0213889B-A6CD-4D5F-9D22-36044A98BCD4}" type="CELLRANGE">
+                    <a:fld id="{036CF2F0-D3E7-44A2-98C6-EC0AECE1A581}" type="CELLRANGE">
                       <a:rPr lang="en-US"/>
                       <a:pPr/>
                       <a:t>[CELLRANGE]</a:t>
@@ -312,7 +312,7 @@
                   <a:bodyPr/>
                   <a:lstStyle/>
                   <a:p>
-                    <a:fld id="{0D7539DD-2365-45BE-960F-47CA22AB63E7}" type="CELLRANGE">
+                    <a:fld id="{3B48CB8D-2EE0-4AC6-AA68-5D305C69EE4D}" type="CELLRANGE">
                       <a:rPr lang="en-US"/>
                       <a:pPr/>
                       <a:t>[CELLRANGE]</a:t>
@@ -346,7 +346,7 @@
                   <a:bodyPr/>
                   <a:lstStyle/>
                   <a:p>
-                    <a:fld id="{A2773899-44BC-4C29-A945-725928152EC2}" type="CELLRANGE">
+                    <a:fld id="{A45FD9F3-D312-47F0-8847-158452D068FC}" type="CELLRANGE">
                       <a:rPr lang="en-US"/>
                       <a:pPr/>
                       <a:t>[CELLRANGE]</a:t>
@@ -381,13 +381,11 @@
               <a:effectLst/>
             </c:spPr>
             <c:txPr>
-              <a:bodyPr rot="0" spcFirstLastPara="1" vertOverflow="ellipsis" vert="horz" wrap="square" lIns="38100" tIns="19050" rIns="38100" bIns="19050" anchor="ctr" anchorCtr="1">
-                <a:spAutoFit/>
-              </a:bodyPr>
+              <a:bodyPr rot="0" spcFirstLastPara="1" vertOverflow="ellipsis" vert="horz" wrap="square" anchor="ctr" anchorCtr="1"/>
               <a:lstStyle/>
               <a:p>
                 <a:pPr>
-                  <a:defRPr sz="2600" b="0" i="0" u="none" strike="noStrike" kern="1200" baseline="0">
+                  <a:defRPr sz="2800" b="0" i="0" u="none" strike="noStrike" kern="1200" baseline="0">
                     <a:solidFill>
                       <a:schemeClr val="bg1"/>
                     </a:solidFill>
@@ -545,7 +543,7 @@
                   <a:bodyPr/>
                   <a:lstStyle/>
                   <a:p>
-                    <a:fld id="{1F78FA0E-879F-4DE3-8A3A-9FFC8E15A02E}" type="CELLRANGE">
+                    <a:fld id="{E1B3F12B-7E9D-453B-9EA2-169883CDB5A8}" type="CELLRANGE">
                       <a:rPr lang="en-US"/>
                       <a:pPr/>
                       <a:t>[CELLRANGE]</a:t>
@@ -579,7 +577,7 @@
                   <a:bodyPr/>
                   <a:lstStyle/>
                   <a:p>
-                    <a:fld id="{80693B13-CAB7-4740-96B9-4AF8D9B7C189}" type="CELLRANGE">
+                    <a:fld id="{08378890-E5D6-40E1-9C99-8EA6BE2283F1}" type="CELLRANGE">
                       <a:rPr lang="en-US"/>
                       <a:pPr/>
                       <a:t>[CELLRANGE]</a:t>
@@ -613,7 +611,7 @@
                   <a:bodyPr/>
                   <a:lstStyle/>
                   <a:p>
-                    <a:fld id="{407BDF64-7679-4C0E-82A3-785ACD271E65}" type="CELLRANGE">
+                    <a:fld id="{517A76A9-31C2-4811-B226-53EB25739A21}" type="CELLRANGE">
                       <a:rPr lang="en-US"/>
                       <a:pPr/>
                       <a:t>[CELLRANGE]</a:t>
@@ -647,7 +645,7 @@
                   <a:bodyPr/>
                   <a:lstStyle/>
                   <a:p>
-                    <a:fld id="{E1069A07-BC36-4947-B39F-7E18BC3F90F9}" type="CELLRANGE">
+                    <a:fld id="{FD43C902-B581-40FB-87BD-8043543AEE03}" type="CELLRANGE">
                       <a:rPr lang="en-US"/>
                       <a:pPr/>
                       <a:t>[CELLRANGE]</a:t>
@@ -681,7 +679,7 @@
                   <a:bodyPr/>
                   <a:lstStyle/>
                   <a:p>
-                    <a:fld id="{4D8B21B1-D547-4151-944A-89C048EB04B7}" type="CELLRANGE">
+                    <a:fld id="{3802D731-0306-4CCB-8CF1-FC93B5105F93}" type="CELLRANGE">
                       <a:rPr lang="en-US"/>
                       <a:pPr/>
                       <a:t>[CELLRANGE]</a:t>
@@ -715,7 +713,7 @@
                   <a:bodyPr/>
                   <a:lstStyle/>
                   <a:p>
-                    <a:fld id="{874B19B7-4E07-4CB0-8A96-6A1784D3015A}" type="CELLRANGE">
+                    <a:fld id="{9F2CDDF6-A3EC-4687-94EA-906C9A8EB7CC}" type="CELLRANGE">
                       <a:rPr lang="en-US"/>
                       <a:pPr/>
                       <a:t>[CELLRANGE]</a:t>
@@ -750,13 +748,11 @@
               <a:effectLst/>
             </c:spPr>
             <c:txPr>
-              <a:bodyPr rot="0" spcFirstLastPara="1" vertOverflow="ellipsis" vert="horz" wrap="square" lIns="38100" tIns="19050" rIns="38100" bIns="19050" anchor="ctr" anchorCtr="1">
-                <a:spAutoFit/>
-              </a:bodyPr>
+              <a:bodyPr rot="0" spcFirstLastPara="1" vertOverflow="ellipsis" vert="horz" wrap="square" anchor="ctr" anchorCtr="1"/>
               <a:lstStyle/>
               <a:p>
                 <a:pPr>
-                  <a:defRPr sz="2600" b="0" i="0" u="none" strike="noStrike" kern="1200" baseline="0">
+                  <a:defRPr sz="2800" b="0" i="0" u="none" strike="noStrike" kern="1200" baseline="0">
                     <a:solidFill>
                       <a:schemeClr val="bg1"/>
                     </a:solidFill>
@@ -902,55 +898,6 @@
         </c:scaling>
         <c:delete val="0"/>
         <c:axPos val="b"/>
-        <c:title>
-          <c:tx>
-            <c:rich>
-              <a:bodyPr rot="0" spcFirstLastPara="1" vertOverflow="ellipsis" vert="horz" wrap="square" anchor="ctr" anchorCtr="1"/>
-              <a:lstStyle/>
-              <a:p>
-                <a:pPr>
-                  <a:defRPr sz="2600" b="0" i="0" u="none" strike="noStrike" kern="1200" baseline="0">
-                    <a:solidFill>
-                      <a:schemeClr val="tx1"/>
-                    </a:solidFill>
-                    <a:latin typeface="+mn-lt"/>
-                    <a:ea typeface="+mn-ea"/>
-                    <a:cs typeface="+mn-cs"/>
-                  </a:defRPr>
-                </a:pPr>
-                <a:r>
-                  <a:rPr lang="en-US" dirty="0"/>
-                  <a:t>Task</a:t>
-                </a:r>
-              </a:p>
-            </c:rich>
-          </c:tx>
-          <c:overlay val="0"/>
-          <c:spPr>
-            <a:noFill/>
-            <a:ln>
-              <a:noFill/>
-            </a:ln>
-            <a:effectLst/>
-          </c:spPr>
-          <c:txPr>
-            <a:bodyPr rot="0" spcFirstLastPara="1" vertOverflow="ellipsis" vert="horz" wrap="square" anchor="ctr" anchorCtr="1"/>
-            <a:lstStyle/>
-            <a:p>
-              <a:pPr>
-                <a:defRPr sz="2600" b="0" i="0" u="none" strike="noStrike" kern="1200" baseline="0">
-                  <a:solidFill>
-                    <a:schemeClr val="tx1"/>
-                  </a:solidFill>
-                  <a:latin typeface="+mn-lt"/>
-                  <a:ea typeface="+mn-ea"/>
-                  <a:cs typeface="+mn-cs"/>
-                </a:defRPr>
-              </a:pPr>
-              <a:endParaRPr lang="en-US"/>
-            </a:p>
-          </c:txPr>
-        </c:title>
         <c:numFmt formatCode="General" sourceLinked="1"/>
         <c:majorTickMark val="none"/>
         <c:minorTickMark val="none"/>
@@ -969,11 +916,11 @@
           <a:effectLst/>
         </c:spPr>
         <c:txPr>
-          <a:bodyPr rot="1800000" spcFirstLastPara="1" vertOverflow="ellipsis" wrap="square" anchor="ctr" anchorCtr="1"/>
+          <a:bodyPr rot="0" spcFirstLastPara="1" vertOverflow="ellipsis" wrap="square" anchor="ctr" anchorCtr="1"/>
           <a:lstStyle/>
           <a:p>
             <a:pPr>
-              <a:defRPr sz="2600" b="0" i="0" u="none" strike="noStrike" kern="1200" baseline="0">
+              <a:defRPr sz="3000" b="0" i="0" u="none" strike="noStrike" kern="1200" baseline="0">
                 <a:solidFill>
                   <a:schemeClr val="tx1"/>
                 </a:solidFill>
@@ -1021,7 +968,7 @@
               <a:lstStyle/>
               <a:p>
                 <a:pPr>
-                  <a:defRPr sz="2600" b="0" i="0" u="none" strike="noStrike" kern="1200" baseline="0">
+                  <a:defRPr sz="2800" b="0" i="0" u="none" strike="noStrike" kern="1200" baseline="0">
                     <a:solidFill>
                       <a:schemeClr val="tx1"/>
                     </a:solidFill>
@@ -1032,7 +979,7 @@
                 </a:pPr>
                 <a:r>
                   <a:rPr lang="en-US" dirty="0"/>
-                  <a:t>Participants</a:t>
+                  <a:t>Participants (%)</a:t>
                 </a:r>
               </a:p>
             </c:rich>
@@ -1050,7 +997,7 @@
             <a:lstStyle/>
             <a:p>
               <a:pPr>
-                <a:defRPr sz="2600" b="0" i="0" u="none" strike="noStrike" kern="1200" baseline="0">
+                <a:defRPr sz="2800" b="0" i="0" u="none" strike="noStrike" kern="1200" baseline="0">
                   <a:solidFill>
                     <a:schemeClr val="tx1"/>
                   </a:solidFill>
@@ -1084,7 +1031,7 @@
           <a:lstStyle/>
           <a:p>
             <a:pPr>
-              <a:defRPr sz="2600" b="0" i="0" u="none" strike="noStrike" kern="1200" baseline="0">
+              <a:defRPr sz="2800" b="0" i="0" u="none" strike="noStrike" kern="1200" baseline="0">
                 <a:solidFill>
                   <a:schemeClr val="tx1"/>
                 </a:solidFill>
@@ -1134,7 +1081,7 @@
         <a:lstStyle/>
         <a:p>
           <a:pPr>
-            <a:defRPr sz="2600" b="0" i="0" u="none" strike="noStrike" kern="1200" baseline="0">
+            <a:defRPr sz="2800" b="0" i="0" u="none" strike="noStrike" kern="1200" baseline="0">
               <a:solidFill>
                 <a:schemeClr val="tx1"/>
               </a:solidFill>
@@ -1164,7 +1111,7 @@
     <a:lstStyle/>
     <a:p>
       <a:pPr>
-        <a:defRPr sz="2600">
+        <a:defRPr sz="2800">
           <a:solidFill>
             <a:schemeClr val="tx1"/>
           </a:solidFill>
@@ -1753,15 +1700,15 @@
         </p:nvSpPr>
         <p:spPr>
           <a:xfrm>
-            <a:off x="685800" y="1122363"/>
-            <a:ext cx="7772400" cy="2387600"/>
+            <a:off x="1428750" y="823066"/>
+            <a:ext cx="8572500" cy="1750907"/>
           </a:xfrm>
         </p:spPr>
         <p:txBody>
           <a:bodyPr anchor="b"/>
           <a:lstStyle>
             <a:lvl1pPr algn="ctr">
-              <a:defRPr sz="6000"/>
+              <a:defRPr sz="4400"/>
             </a:lvl1pPr>
           </a:lstStyle>
           <a:p>
@@ -1785,8 +1732,8 @@
         </p:nvSpPr>
         <p:spPr>
           <a:xfrm>
-            <a:off x="1143000" y="3602038"/>
-            <a:ext cx="6858000" cy="1655762"/>
+            <a:off x="1428750" y="2641495"/>
+            <a:ext cx="8572500" cy="1214225"/>
           </a:xfrm>
         </p:spPr>
         <p:txBody>
@@ -1794,39 +1741,39 @@
           <a:lstStyle>
             <a:lvl1pPr marL="0" indent="0" algn="ctr">
               <a:buNone/>
-              <a:defRPr sz="2400"/>
+              <a:defRPr sz="1760"/>
             </a:lvl1pPr>
-            <a:lvl2pPr marL="457200" indent="0" algn="ctr">
-              <a:buNone/>
-              <a:defRPr sz="2000"/>
+            <a:lvl2pPr marL="335265" indent="0" algn="ctr">
+              <a:buNone/>
+              <a:defRPr sz="1467"/>
             </a:lvl2pPr>
-            <a:lvl3pPr marL="914400" indent="0" algn="ctr">
-              <a:buNone/>
-              <a:defRPr sz="1800"/>
+            <a:lvl3pPr marL="670530" indent="0" algn="ctr">
+              <a:buNone/>
+              <a:defRPr sz="1320"/>
             </a:lvl3pPr>
-            <a:lvl4pPr marL="1371600" indent="0" algn="ctr">
-              <a:buNone/>
-              <a:defRPr sz="1600"/>
+            <a:lvl4pPr marL="1005794" indent="0" algn="ctr">
+              <a:buNone/>
+              <a:defRPr sz="1173"/>
             </a:lvl4pPr>
-            <a:lvl5pPr marL="1828800" indent="0" algn="ctr">
-              <a:buNone/>
-              <a:defRPr sz="1600"/>
+            <a:lvl5pPr marL="1341059" indent="0" algn="ctr">
+              <a:buNone/>
+              <a:defRPr sz="1173"/>
             </a:lvl5pPr>
-            <a:lvl6pPr marL="2286000" indent="0" algn="ctr">
-              <a:buNone/>
-              <a:defRPr sz="1600"/>
+            <a:lvl6pPr marL="1676324" indent="0" algn="ctr">
+              <a:buNone/>
+              <a:defRPr sz="1173"/>
             </a:lvl6pPr>
-            <a:lvl7pPr marL="2743200" indent="0" algn="ctr">
-              <a:buNone/>
-              <a:defRPr sz="1600"/>
+            <a:lvl7pPr marL="2011589" indent="0" algn="ctr">
+              <a:buNone/>
+              <a:defRPr sz="1173"/>
             </a:lvl7pPr>
-            <a:lvl8pPr marL="3200400" indent="0" algn="ctr">
-              <a:buNone/>
-              <a:defRPr sz="1600"/>
+            <a:lvl8pPr marL="2346853" indent="0" algn="ctr">
+              <a:buNone/>
+              <a:defRPr sz="1173"/>
             </a:lvl8pPr>
-            <a:lvl9pPr marL="3657600" indent="0" algn="ctr">
-              <a:buNone/>
-              <a:defRPr sz="1600"/>
+            <a:lvl9pPr marL="2682118" indent="0" algn="ctr">
+              <a:buNone/>
+              <a:defRPr sz="1173"/>
             </a:lvl9pPr>
           </a:lstStyle>
           <a:p>
@@ -1855,7 +1802,7 @@
           <a:p>
             <a:fld id="{BB9690E2-32B0-4B7F-88AC-28CD11FEDFE8}" type="datetimeFigureOut">
               <a:rPr lang="en-US" smtClean="0"/>
-              <a:t>2/6/2023</a:t>
+              <a:t>2/15/2023</a:t>
             </a:fld>
             <a:endParaRPr lang="en-US"/>
           </a:p>
@@ -1906,7 +1853,7 @@
     </p:spTree>
     <p:extLst>
       <p:ext uri="{BB962C8B-B14F-4D97-AF65-F5344CB8AC3E}">
-        <p14:creationId xmlns:p14="http://schemas.microsoft.com/office/powerpoint/2010/main" val="3987828450"/>
+        <p14:creationId xmlns:p14="http://schemas.microsoft.com/office/powerpoint/2010/main" val="877831318"/>
       </p:ext>
     </p:extLst>
   </p:cSld>
@@ -2025,7 +1972,7 @@
           <a:p>
             <a:fld id="{BB9690E2-32B0-4B7F-88AC-28CD11FEDFE8}" type="datetimeFigureOut">
               <a:rPr lang="en-US" smtClean="0"/>
-              <a:t>2/6/2023</a:t>
+              <a:t>2/15/2023</a:t>
             </a:fld>
             <a:endParaRPr lang="en-US"/>
           </a:p>
@@ -2076,7 +2023,7 @@
     </p:spTree>
     <p:extLst>
       <p:ext uri="{BB962C8B-B14F-4D97-AF65-F5344CB8AC3E}">
-        <p14:creationId xmlns:p14="http://schemas.microsoft.com/office/powerpoint/2010/main" val="1517050493"/>
+        <p14:creationId xmlns:p14="http://schemas.microsoft.com/office/powerpoint/2010/main" val="3127699949"/>
       </p:ext>
     </p:extLst>
   </p:cSld>
@@ -2115,8 +2062,8 @@
         </p:nvSpPr>
         <p:spPr>
           <a:xfrm>
-            <a:off x="6543675" y="365125"/>
-            <a:ext cx="1971675" cy="5811838"/>
+            <a:off x="8179594" y="267758"/>
+            <a:ext cx="2464594" cy="4262015"/>
           </a:xfrm>
         </p:spPr>
         <p:txBody>
@@ -2143,8 +2090,8 @@
         </p:nvSpPr>
         <p:spPr>
           <a:xfrm>
-            <a:off x="628650" y="365125"/>
-            <a:ext cx="5800725" cy="5811838"/>
+            <a:off x="785813" y="267758"/>
+            <a:ext cx="7250906" cy="4262015"/>
           </a:xfrm>
         </p:spPr>
         <p:txBody>
@@ -2205,7 +2152,7 @@
           <a:p>
             <a:fld id="{BB9690E2-32B0-4B7F-88AC-28CD11FEDFE8}" type="datetimeFigureOut">
               <a:rPr lang="en-US" smtClean="0"/>
-              <a:t>2/6/2023</a:t>
+              <a:t>2/15/2023</a:t>
             </a:fld>
             <a:endParaRPr lang="en-US"/>
           </a:p>
@@ -2256,7 +2203,7 @@
     </p:spTree>
     <p:extLst>
       <p:ext uri="{BB962C8B-B14F-4D97-AF65-F5344CB8AC3E}">
-        <p14:creationId xmlns:p14="http://schemas.microsoft.com/office/powerpoint/2010/main" val="3859849856"/>
+        <p14:creationId xmlns:p14="http://schemas.microsoft.com/office/powerpoint/2010/main" val="2336980256"/>
       </p:ext>
     </p:extLst>
   </p:cSld>
@@ -2375,7 +2322,7 @@
           <a:p>
             <a:fld id="{BB9690E2-32B0-4B7F-88AC-28CD11FEDFE8}" type="datetimeFigureOut">
               <a:rPr lang="en-US" smtClean="0"/>
-              <a:t>2/6/2023</a:t>
+              <a:t>2/15/2023</a:t>
             </a:fld>
             <a:endParaRPr lang="en-US"/>
           </a:p>
@@ -2426,7 +2373,7 @@
     </p:spTree>
     <p:extLst>
       <p:ext uri="{BB962C8B-B14F-4D97-AF65-F5344CB8AC3E}">
-        <p14:creationId xmlns:p14="http://schemas.microsoft.com/office/powerpoint/2010/main" val="1346644272"/>
+        <p14:creationId xmlns:p14="http://schemas.microsoft.com/office/powerpoint/2010/main" val="110014961"/>
       </p:ext>
     </p:extLst>
   </p:cSld>
@@ -2465,15 +2412,15 @@
         </p:nvSpPr>
         <p:spPr>
           <a:xfrm>
-            <a:off x="623888" y="1709739"/>
-            <a:ext cx="7886700" cy="2852737"/>
+            <a:off x="779859" y="1253808"/>
+            <a:ext cx="9858375" cy="2092007"/>
           </a:xfrm>
         </p:spPr>
         <p:txBody>
           <a:bodyPr anchor="b"/>
           <a:lstStyle>
             <a:lvl1pPr>
-              <a:defRPr sz="6000"/>
+              <a:defRPr sz="4400"/>
             </a:lvl1pPr>
           </a:lstStyle>
           <a:p>
@@ -2497,8 +2444,8 @@
         </p:nvSpPr>
         <p:spPr>
           <a:xfrm>
-            <a:off x="623888" y="4589464"/>
-            <a:ext cx="7886700" cy="1500187"/>
+            <a:off x="779859" y="3365607"/>
+            <a:ext cx="9858375" cy="1100137"/>
           </a:xfrm>
         </p:spPr>
         <p:txBody>
@@ -2506,15 +2453,17 @@
           <a:lstStyle>
             <a:lvl1pPr marL="0" indent="0">
               <a:buNone/>
-              <a:defRPr sz="2400">
+              <a:defRPr sz="1760">
                 <a:solidFill>
-                  <a:schemeClr val="tx1"/>
+                  <a:schemeClr val="tx1">
+                    <a:tint val="75000"/>
+                  </a:schemeClr>
                 </a:solidFill>
               </a:defRPr>
             </a:lvl1pPr>
-            <a:lvl2pPr marL="457200" indent="0">
-              <a:buNone/>
-              <a:defRPr sz="2000">
+            <a:lvl2pPr marL="335265" indent="0">
+              <a:buNone/>
+              <a:defRPr sz="1467">
                 <a:solidFill>
                   <a:schemeClr val="tx1">
                     <a:tint val="75000"/>
@@ -2522,9 +2471,9 @@
                 </a:solidFill>
               </a:defRPr>
             </a:lvl2pPr>
-            <a:lvl3pPr marL="914400" indent="0">
-              <a:buNone/>
-              <a:defRPr sz="1800">
+            <a:lvl3pPr marL="670530" indent="0">
+              <a:buNone/>
+              <a:defRPr sz="1320">
                 <a:solidFill>
                   <a:schemeClr val="tx1">
                     <a:tint val="75000"/>
@@ -2532,9 +2481,9 @@
                 </a:solidFill>
               </a:defRPr>
             </a:lvl3pPr>
-            <a:lvl4pPr marL="1371600" indent="0">
-              <a:buNone/>
-              <a:defRPr sz="1600">
+            <a:lvl4pPr marL="1005794" indent="0">
+              <a:buNone/>
+              <a:defRPr sz="1173">
                 <a:solidFill>
                   <a:schemeClr val="tx1">
                     <a:tint val="75000"/>
@@ -2542,9 +2491,9 @@
                 </a:solidFill>
               </a:defRPr>
             </a:lvl4pPr>
-            <a:lvl5pPr marL="1828800" indent="0">
-              <a:buNone/>
-              <a:defRPr sz="1600">
+            <a:lvl5pPr marL="1341059" indent="0">
+              <a:buNone/>
+              <a:defRPr sz="1173">
                 <a:solidFill>
                   <a:schemeClr val="tx1">
                     <a:tint val="75000"/>
@@ -2552,9 +2501,9 @@
                 </a:solidFill>
               </a:defRPr>
             </a:lvl5pPr>
-            <a:lvl6pPr marL="2286000" indent="0">
-              <a:buNone/>
-              <a:defRPr sz="1600">
+            <a:lvl6pPr marL="1676324" indent="0">
+              <a:buNone/>
+              <a:defRPr sz="1173">
                 <a:solidFill>
                   <a:schemeClr val="tx1">
                     <a:tint val="75000"/>
@@ -2562,9 +2511,9 @@
                 </a:solidFill>
               </a:defRPr>
             </a:lvl6pPr>
-            <a:lvl7pPr marL="2743200" indent="0">
-              <a:buNone/>
-              <a:defRPr sz="1600">
+            <a:lvl7pPr marL="2011589" indent="0">
+              <a:buNone/>
+              <a:defRPr sz="1173">
                 <a:solidFill>
                   <a:schemeClr val="tx1">
                     <a:tint val="75000"/>
@@ -2572,9 +2521,9 @@
                 </a:solidFill>
               </a:defRPr>
             </a:lvl7pPr>
-            <a:lvl8pPr marL="3200400" indent="0">
-              <a:buNone/>
-              <a:defRPr sz="1600">
+            <a:lvl8pPr marL="2346853" indent="0">
+              <a:buNone/>
+              <a:defRPr sz="1173">
                 <a:solidFill>
                   <a:schemeClr val="tx1">
                     <a:tint val="75000"/>
@@ -2582,9 +2531,9 @@
                 </a:solidFill>
               </a:defRPr>
             </a:lvl8pPr>
-            <a:lvl9pPr marL="3657600" indent="0">
-              <a:buNone/>
-              <a:defRPr sz="1600">
+            <a:lvl9pPr marL="2682118" indent="0">
+              <a:buNone/>
+              <a:defRPr sz="1173">
                 <a:solidFill>
                   <a:schemeClr val="tx1">
                     <a:tint val="75000"/>
@@ -2619,7 +2568,7 @@
           <a:p>
             <a:fld id="{BB9690E2-32B0-4B7F-88AC-28CD11FEDFE8}" type="datetimeFigureOut">
               <a:rPr lang="en-US" smtClean="0"/>
-              <a:t>2/6/2023</a:t>
+              <a:t>2/15/2023</a:t>
             </a:fld>
             <a:endParaRPr lang="en-US"/>
           </a:p>
@@ -2670,7 +2619,7 @@
     </p:spTree>
     <p:extLst>
       <p:ext uri="{BB962C8B-B14F-4D97-AF65-F5344CB8AC3E}">
-        <p14:creationId xmlns:p14="http://schemas.microsoft.com/office/powerpoint/2010/main" val="1749026427"/>
+        <p14:creationId xmlns:p14="http://schemas.microsoft.com/office/powerpoint/2010/main" val="1494272969"/>
       </p:ext>
     </p:extLst>
   </p:cSld>
@@ -2732,8 +2681,8 @@
         </p:nvSpPr>
         <p:spPr>
           <a:xfrm>
-            <a:off x="628650" y="1825625"/>
-            <a:ext cx="3886200" cy="4351338"/>
+            <a:off x="785813" y="1338792"/>
+            <a:ext cx="4857750" cy="3190981"/>
           </a:xfrm>
         </p:spPr>
         <p:txBody>
@@ -2789,8 +2738,8 @@
         </p:nvSpPr>
         <p:spPr>
           <a:xfrm>
-            <a:off x="4629150" y="1825625"/>
-            <a:ext cx="3886200" cy="4351338"/>
+            <a:off x="5786438" y="1338792"/>
+            <a:ext cx="4857750" cy="3190981"/>
           </a:xfrm>
         </p:spPr>
         <p:txBody>
@@ -2851,7 +2800,7 @@
           <a:p>
             <a:fld id="{BB9690E2-32B0-4B7F-88AC-28CD11FEDFE8}" type="datetimeFigureOut">
               <a:rPr lang="en-US" smtClean="0"/>
-              <a:t>2/6/2023</a:t>
+              <a:t>2/15/2023</a:t>
             </a:fld>
             <a:endParaRPr lang="en-US"/>
           </a:p>
@@ -2902,7 +2851,7 @@
     </p:spTree>
     <p:extLst>
       <p:ext uri="{BB962C8B-B14F-4D97-AF65-F5344CB8AC3E}">
-        <p14:creationId xmlns:p14="http://schemas.microsoft.com/office/powerpoint/2010/main" val="1956625974"/>
+        <p14:creationId xmlns:p14="http://schemas.microsoft.com/office/powerpoint/2010/main" val="4119151535"/>
       </p:ext>
     </p:extLst>
   </p:cSld>
@@ -2941,8 +2890,8 @@
         </p:nvSpPr>
         <p:spPr>
           <a:xfrm>
-            <a:off x="629841" y="365126"/>
-            <a:ext cx="7886700" cy="1325563"/>
+            <a:off x="787301" y="267758"/>
+            <a:ext cx="9858375" cy="972080"/>
           </a:xfrm>
         </p:spPr>
         <p:txBody>
@@ -2969,8 +2918,8 @@
         </p:nvSpPr>
         <p:spPr>
           <a:xfrm>
-            <a:off x="629842" y="1681163"/>
-            <a:ext cx="3868340" cy="823912"/>
+            <a:off x="787302" y="1232853"/>
+            <a:ext cx="4835425" cy="604202"/>
           </a:xfrm>
         </p:spPr>
         <p:txBody>
@@ -2978,39 +2927,39 @@
           <a:lstStyle>
             <a:lvl1pPr marL="0" indent="0">
               <a:buNone/>
-              <a:defRPr sz="2400" b="1"/>
+              <a:defRPr sz="1760" b="1"/>
             </a:lvl1pPr>
-            <a:lvl2pPr marL="457200" indent="0">
-              <a:buNone/>
-              <a:defRPr sz="2000" b="1"/>
+            <a:lvl2pPr marL="335265" indent="0">
+              <a:buNone/>
+              <a:defRPr sz="1467" b="1"/>
             </a:lvl2pPr>
-            <a:lvl3pPr marL="914400" indent="0">
-              <a:buNone/>
-              <a:defRPr sz="1800" b="1"/>
+            <a:lvl3pPr marL="670530" indent="0">
+              <a:buNone/>
+              <a:defRPr sz="1320" b="1"/>
             </a:lvl3pPr>
-            <a:lvl4pPr marL="1371600" indent="0">
-              <a:buNone/>
-              <a:defRPr sz="1600" b="1"/>
+            <a:lvl4pPr marL="1005794" indent="0">
+              <a:buNone/>
+              <a:defRPr sz="1173" b="1"/>
             </a:lvl4pPr>
-            <a:lvl5pPr marL="1828800" indent="0">
-              <a:buNone/>
-              <a:defRPr sz="1600" b="1"/>
+            <a:lvl5pPr marL="1341059" indent="0">
+              <a:buNone/>
+              <a:defRPr sz="1173" b="1"/>
             </a:lvl5pPr>
-            <a:lvl6pPr marL="2286000" indent="0">
-              <a:buNone/>
-              <a:defRPr sz="1600" b="1"/>
+            <a:lvl6pPr marL="1676324" indent="0">
+              <a:buNone/>
+              <a:defRPr sz="1173" b="1"/>
             </a:lvl6pPr>
-            <a:lvl7pPr marL="2743200" indent="0">
-              <a:buNone/>
-              <a:defRPr sz="1600" b="1"/>
+            <a:lvl7pPr marL="2011589" indent="0">
+              <a:buNone/>
+              <a:defRPr sz="1173" b="1"/>
             </a:lvl7pPr>
-            <a:lvl8pPr marL="3200400" indent="0">
-              <a:buNone/>
-              <a:defRPr sz="1600" b="1"/>
+            <a:lvl8pPr marL="2346853" indent="0">
+              <a:buNone/>
+              <a:defRPr sz="1173" b="1"/>
             </a:lvl8pPr>
-            <a:lvl9pPr marL="3657600" indent="0">
-              <a:buNone/>
-              <a:defRPr sz="1600" b="1"/>
+            <a:lvl9pPr marL="2682118" indent="0">
+              <a:buNone/>
+              <a:defRPr sz="1173" b="1"/>
             </a:lvl9pPr>
           </a:lstStyle>
           <a:p>
@@ -3034,8 +2983,8 @@
         </p:nvSpPr>
         <p:spPr>
           <a:xfrm>
-            <a:off x="629842" y="2505075"/>
-            <a:ext cx="3868340" cy="3684588"/>
+            <a:off x="787302" y="1837055"/>
+            <a:ext cx="4835425" cy="2702031"/>
           </a:xfrm>
         </p:spPr>
         <p:txBody>
@@ -3091,8 +3040,8 @@
         </p:nvSpPr>
         <p:spPr>
           <a:xfrm>
-            <a:off x="4629150" y="1681163"/>
-            <a:ext cx="3887391" cy="823912"/>
+            <a:off x="5786437" y="1232853"/>
+            <a:ext cx="4859239" cy="604202"/>
           </a:xfrm>
         </p:spPr>
         <p:txBody>
@@ -3100,39 +3049,39 @@
           <a:lstStyle>
             <a:lvl1pPr marL="0" indent="0">
               <a:buNone/>
-              <a:defRPr sz="2400" b="1"/>
+              <a:defRPr sz="1760" b="1"/>
             </a:lvl1pPr>
-            <a:lvl2pPr marL="457200" indent="0">
-              <a:buNone/>
-              <a:defRPr sz="2000" b="1"/>
+            <a:lvl2pPr marL="335265" indent="0">
+              <a:buNone/>
+              <a:defRPr sz="1467" b="1"/>
             </a:lvl2pPr>
-            <a:lvl3pPr marL="914400" indent="0">
-              <a:buNone/>
-              <a:defRPr sz="1800" b="1"/>
+            <a:lvl3pPr marL="670530" indent="0">
+              <a:buNone/>
+              <a:defRPr sz="1320" b="1"/>
             </a:lvl3pPr>
-            <a:lvl4pPr marL="1371600" indent="0">
-              <a:buNone/>
-              <a:defRPr sz="1600" b="1"/>
+            <a:lvl4pPr marL="1005794" indent="0">
+              <a:buNone/>
+              <a:defRPr sz="1173" b="1"/>
             </a:lvl4pPr>
-            <a:lvl5pPr marL="1828800" indent="0">
-              <a:buNone/>
-              <a:defRPr sz="1600" b="1"/>
+            <a:lvl5pPr marL="1341059" indent="0">
+              <a:buNone/>
+              <a:defRPr sz="1173" b="1"/>
             </a:lvl5pPr>
-            <a:lvl6pPr marL="2286000" indent="0">
-              <a:buNone/>
-              <a:defRPr sz="1600" b="1"/>
+            <a:lvl6pPr marL="1676324" indent="0">
+              <a:buNone/>
+              <a:defRPr sz="1173" b="1"/>
             </a:lvl6pPr>
-            <a:lvl7pPr marL="2743200" indent="0">
-              <a:buNone/>
-              <a:defRPr sz="1600" b="1"/>
+            <a:lvl7pPr marL="2011589" indent="0">
+              <a:buNone/>
+              <a:defRPr sz="1173" b="1"/>
             </a:lvl7pPr>
-            <a:lvl8pPr marL="3200400" indent="0">
-              <a:buNone/>
-              <a:defRPr sz="1600" b="1"/>
+            <a:lvl8pPr marL="2346853" indent="0">
+              <a:buNone/>
+              <a:defRPr sz="1173" b="1"/>
             </a:lvl8pPr>
-            <a:lvl9pPr marL="3657600" indent="0">
-              <a:buNone/>
-              <a:defRPr sz="1600" b="1"/>
+            <a:lvl9pPr marL="2682118" indent="0">
+              <a:buNone/>
+              <a:defRPr sz="1173" b="1"/>
             </a:lvl9pPr>
           </a:lstStyle>
           <a:p>
@@ -3156,8 +3105,8 @@
         </p:nvSpPr>
         <p:spPr>
           <a:xfrm>
-            <a:off x="4629150" y="2505075"/>
-            <a:ext cx="3887391" cy="3684588"/>
+            <a:off x="5786437" y="1837055"/>
+            <a:ext cx="4859239" cy="2702031"/>
           </a:xfrm>
         </p:spPr>
         <p:txBody>
@@ -3218,7 +3167,7 @@
           <a:p>
             <a:fld id="{BB9690E2-32B0-4B7F-88AC-28CD11FEDFE8}" type="datetimeFigureOut">
               <a:rPr lang="en-US" smtClean="0"/>
-              <a:t>2/6/2023</a:t>
+              <a:t>2/15/2023</a:t>
             </a:fld>
             <a:endParaRPr lang="en-US"/>
           </a:p>
@@ -3269,7 +3218,7 @@
     </p:spTree>
     <p:extLst>
       <p:ext uri="{BB962C8B-B14F-4D97-AF65-F5344CB8AC3E}">
-        <p14:creationId xmlns:p14="http://schemas.microsoft.com/office/powerpoint/2010/main" val="2878826110"/>
+        <p14:creationId xmlns:p14="http://schemas.microsoft.com/office/powerpoint/2010/main" val="3286169948"/>
       </p:ext>
     </p:extLst>
   </p:cSld>
@@ -3336,7 +3285,7 @@
           <a:p>
             <a:fld id="{BB9690E2-32B0-4B7F-88AC-28CD11FEDFE8}" type="datetimeFigureOut">
               <a:rPr lang="en-US" smtClean="0"/>
-              <a:t>2/6/2023</a:t>
+              <a:t>2/15/2023</a:t>
             </a:fld>
             <a:endParaRPr lang="en-US"/>
           </a:p>
@@ -3387,7 +3336,7 @@
     </p:spTree>
     <p:extLst>
       <p:ext uri="{BB962C8B-B14F-4D97-AF65-F5344CB8AC3E}">
-        <p14:creationId xmlns:p14="http://schemas.microsoft.com/office/powerpoint/2010/main" val="2848477051"/>
+        <p14:creationId xmlns:p14="http://schemas.microsoft.com/office/powerpoint/2010/main" val="1509770507"/>
       </p:ext>
     </p:extLst>
   </p:cSld>
@@ -3431,7 +3380,7 @@
           <a:p>
             <a:fld id="{BB9690E2-32B0-4B7F-88AC-28CD11FEDFE8}" type="datetimeFigureOut">
               <a:rPr lang="en-US" smtClean="0"/>
-              <a:t>2/6/2023</a:t>
+              <a:t>2/15/2023</a:t>
             </a:fld>
             <a:endParaRPr lang="en-US"/>
           </a:p>
@@ -3482,7 +3431,7 @@
     </p:spTree>
     <p:extLst>
       <p:ext uri="{BB962C8B-B14F-4D97-AF65-F5344CB8AC3E}">
-        <p14:creationId xmlns:p14="http://schemas.microsoft.com/office/powerpoint/2010/main" val="2386773285"/>
+        <p14:creationId xmlns:p14="http://schemas.microsoft.com/office/powerpoint/2010/main" val="2279857381"/>
       </p:ext>
     </p:extLst>
   </p:cSld>
@@ -3521,15 +3470,15 @@
         </p:nvSpPr>
         <p:spPr>
           <a:xfrm>
-            <a:off x="629841" y="457200"/>
-            <a:ext cx="2949178" cy="1600200"/>
+            <a:off x="787302" y="335280"/>
+            <a:ext cx="3686472" cy="1173480"/>
           </a:xfrm>
         </p:spPr>
         <p:txBody>
           <a:bodyPr anchor="b"/>
           <a:lstStyle>
             <a:lvl1pPr>
-              <a:defRPr sz="3200"/>
+              <a:defRPr sz="2347"/>
             </a:lvl1pPr>
           </a:lstStyle>
           <a:p>
@@ -3553,39 +3502,39 @@
         </p:nvSpPr>
         <p:spPr>
           <a:xfrm>
-            <a:off x="3887391" y="987426"/>
-            <a:ext cx="4629150" cy="4873625"/>
+            <a:off x="4859238" y="724112"/>
+            <a:ext cx="5786438" cy="3573992"/>
           </a:xfrm>
         </p:spPr>
         <p:txBody>
           <a:bodyPr/>
           <a:lstStyle>
             <a:lvl1pPr>
-              <a:defRPr sz="3200"/>
+              <a:defRPr sz="2347"/>
             </a:lvl1pPr>
             <a:lvl2pPr>
-              <a:defRPr sz="2800"/>
+              <a:defRPr sz="2053"/>
             </a:lvl2pPr>
             <a:lvl3pPr>
-              <a:defRPr sz="2400"/>
+              <a:defRPr sz="1760"/>
             </a:lvl3pPr>
             <a:lvl4pPr>
-              <a:defRPr sz="2000"/>
+              <a:defRPr sz="1467"/>
             </a:lvl4pPr>
             <a:lvl5pPr>
-              <a:defRPr sz="2000"/>
+              <a:defRPr sz="1467"/>
             </a:lvl5pPr>
             <a:lvl6pPr>
-              <a:defRPr sz="2000"/>
+              <a:defRPr sz="1467"/>
             </a:lvl6pPr>
             <a:lvl7pPr>
-              <a:defRPr sz="2000"/>
+              <a:defRPr sz="1467"/>
             </a:lvl7pPr>
             <a:lvl8pPr>
-              <a:defRPr sz="2000"/>
+              <a:defRPr sz="1467"/>
             </a:lvl8pPr>
             <a:lvl9pPr>
-              <a:defRPr sz="2000"/>
+              <a:defRPr sz="1467"/>
             </a:lvl9pPr>
           </a:lstStyle>
           <a:p>
@@ -3638,8 +3587,8 @@
         </p:nvSpPr>
         <p:spPr>
           <a:xfrm>
-            <a:off x="629841" y="2057400"/>
-            <a:ext cx="2949178" cy="3811588"/>
+            <a:off x="787302" y="1508760"/>
+            <a:ext cx="3686472" cy="2795165"/>
           </a:xfrm>
         </p:spPr>
         <p:txBody>
@@ -3647,39 +3596,39 @@
           <a:lstStyle>
             <a:lvl1pPr marL="0" indent="0">
               <a:buNone/>
-              <a:defRPr sz="1600"/>
+              <a:defRPr sz="1173"/>
             </a:lvl1pPr>
-            <a:lvl2pPr marL="457200" indent="0">
-              <a:buNone/>
-              <a:defRPr sz="1400"/>
+            <a:lvl2pPr marL="335265" indent="0">
+              <a:buNone/>
+              <a:defRPr sz="1027"/>
             </a:lvl2pPr>
-            <a:lvl3pPr marL="914400" indent="0">
-              <a:buNone/>
-              <a:defRPr sz="1200"/>
+            <a:lvl3pPr marL="670530" indent="0">
+              <a:buNone/>
+              <a:defRPr sz="880"/>
             </a:lvl3pPr>
-            <a:lvl4pPr marL="1371600" indent="0">
-              <a:buNone/>
-              <a:defRPr sz="1000"/>
+            <a:lvl4pPr marL="1005794" indent="0">
+              <a:buNone/>
+              <a:defRPr sz="733"/>
             </a:lvl4pPr>
-            <a:lvl5pPr marL="1828800" indent="0">
-              <a:buNone/>
-              <a:defRPr sz="1000"/>
+            <a:lvl5pPr marL="1341059" indent="0">
+              <a:buNone/>
+              <a:defRPr sz="733"/>
             </a:lvl5pPr>
-            <a:lvl6pPr marL="2286000" indent="0">
-              <a:buNone/>
-              <a:defRPr sz="1000"/>
+            <a:lvl6pPr marL="1676324" indent="0">
+              <a:buNone/>
+              <a:defRPr sz="733"/>
             </a:lvl6pPr>
-            <a:lvl7pPr marL="2743200" indent="0">
-              <a:buNone/>
-              <a:defRPr sz="1000"/>
+            <a:lvl7pPr marL="2011589" indent="0">
+              <a:buNone/>
+              <a:defRPr sz="733"/>
             </a:lvl7pPr>
-            <a:lvl8pPr marL="3200400" indent="0">
-              <a:buNone/>
-              <a:defRPr sz="1000"/>
+            <a:lvl8pPr marL="2346853" indent="0">
+              <a:buNone/>
+              <a:defRPr sz="733"/>
             </a:lvl8pPr>
-            <a:lvl9pPr marL="3657600" indent="0">
-              <a:buNone/>
-              <a:defRPr sz="1000"/>
+            <a:lvl9pPr marL="2682118" indent="0">
+              <a:buNone/>
+              <a:defRPr sz="733"/>
             </a:lvl9pPr>
           </a:lstStyle>
           <a:p>
@@ -3708,7 +3657,7 @@
           <a:p>
             <a:fld id="{BB9690E2-32B0-4B7F-88AC-28CD11FEDFE8}" type="datetimeFigureOut">
               <a:rPr lang="en-US" smtClean="0"/>
-              <a:t>2/6/2023</a:t>
+              <a:t>2/15/2023</a:t>
             </a:fld>
             <a:endParaRPr lang="en-US"/>
           </a:p>
@@ -3759,7 +3708,7 @@
     </p:spTree>
     <p:extLst>
       <p:ext uri="{BB962C8B-B14F-4D97-AF65-F5344CB8AC3E}">
-        <p14:creationId xmlns:p14="http://schemas.microsoft.com/office/powerpoint/2010/main" val="546384279"/>
+        <p14:creationId xmlns:p14="http://schemas.microsoft.com/office/powerpoint/2010/main" val="2755047459"/>
       </p:ext>
     </p:extLst>
   </p:cSld>
@@ -3798,15 +3747,15 @@
         </p:nvSpPr>
         <p:spPr>
           <a:xfrm>
-            <a:off x="629841" y="457200"/>
-            <a:ext cx="2949178" cy="1600200"/>
+            <a:off x="787302" y="335280"/>
+            <a:ext cx="3686472" cy="1173480"/>
           </a:xfrm>
         </p:spPr>
         <p:txBody>
           <a:bodyPr anchor="b"/>
           <a:lstStyle>
             <a:lvl1pPr>
-              <a:defRPr sz="3200"/>
+              <a:defRPr sz="2347"/>
             </a:lvl1pPr>
           </a:lstStyle>
           <a:p>
@@ -3830,8 +3779,8 @@
         </p:nvSpPr>
         <p:spPr>
           <a:xfrm>
-            <a:off x="3887391" y="987426"/>
-            <a:ext cx="4629150" cy="4873625"/>
+            <a:off x="4859238" y="724112"/>
+            <a:ext cx="5786438" cy="3573992"/>
           </a:xfrm>
         </p:spPr>
         <p:txBody>
@@ -3839,39 +3788,39 @@
           <a:lstStyle>
             <a:lvl1pPr marL="0" indent="0">
               <a:buNone/>
-              <a:defRPr sz="3200"/>
+              <a:defRPr sz="2347"/>
             </a:lvl1pPr>
-            <a:lvl2pPr marL="457200" indent="0">
-              <a:buNone/>
-              <a:defRPr sz="2800"/>
+            <a:lvl2pPr marL="335265" indent="0">
+              <a:buNone/>
+              <a:defRPr sz="2053"/>
             </a:lvl2pPr>
-            <a:lvl3pPr marL="914400" indent="0">
-              <a:buNone/>
-              <a:defRPr sz="2400"/>
+            <a:lvl3pPr marL="670530" indent="0">
+              <a:buNone/>
+              <a:defRPr sz="1760"/>
             </a:lvl3pPr>
-            <a:lvl4pPr marL="1371600" indent="0">
-              <a:buNone/>
-              <a:defRPr sz="2000"/>
+            <a:lvl4pPr marL="1005794" indent="0">
+              <a:buNone/>
+              <a:defRPr sz="1467"/>
             </a:lvl4pPr>
-            <a:lvl5pPr marL="1828800" indent="0">
-              <a:buNone/>
-              <a:defRPr sz="2000"/>
+            <a:lvl5pPr marL="1341059" indent="0">
+              <a:buNone/>
+              <a:defRPr sz="1467"/>
             </a:lvl5pPr>
-            <a:lvl6pPr marL="2286000" indent="0">
-              <a:buNone/>
-              <a:defRPr sz="2000"/>
+            <a:lvl6pPr marL="1676324" indent="0">
+              <a:buNone/>
+              <a:defRPr sz="1467"/>
             </a:lvl6pPr>
-            <a:lvl7pPr marL="2743200" indent="0">
-              <a:buNone/>
-              <a:defRPr sz="2000"/>
+            <a:lvl7pPr marL="2011589" indent="0">
+              <a:buNone/>
+              <a:defRPr sz="1467"/>
             </a:lvl7pPr>
-            <a:lvl8pPr marL="3200400" indent="0">
-              <a:buNone/>
-              <a:defRPr sz="2000"/>
+            <a:lvl8pPr marL="2346853" indent="0">
+              <a:buNone/>
+              <a:defRPr sz="1467"/>
             </a:lvl8pPr>
-            <a:lvl9pPr marL="3657600" indent="0">
-              <a:buNone/>
-              <a:defRPr sz="2000"/>
+            <a:lvl9pPr marL="2682118" indent="0">
+              <a:buNone/>
+              <a:defRPr sz="1467"/>
             </a:lvl9pPr>
           </a:lstStyle>
           <a:p>
@@ -3895,8 +3844,8 @@
         </p:nvSpPr>
         <p:spPr>
           <a:xfrm>
-            <a:off x="629841" y="2057400"/>
-            <a:ext cx="2949178" cy="3811588"/>
+            <a:off x="787302" y="1508760"/>
+            <a:ext cx="3686472" cy="2795165"/>
           </a:xfrm>
         </p:spPr>
         <p:txBody>
@@ -3904,39 +3853,39 @@
           <a:lstStyle>
             <a:lvl1pPr marL="0" indent="0">
               <a:buNone/>
-              <a:defRPr sz="1600"/>
+              <a:defRPr sz="1173"/>
             </a:lvl1pPr>
-            <a:lvl2pPr marL="457200" indent="0">
-              <a:buNone/>
-              <a:defRPr sz="1400"/>
+            <a:lvl2pPr marL="335265" indent="0">
+              <a:buNone/>
+              <a:defRPr sz="1027"/>
             </a:lvl2pPr>
-            <a:lvl3pPr marL="914400" indent="0">
-              <a:buNone/>
-              <a:defRPr sz="1200"/>
+            <a:lvl3pPr marL="670530" indent="0">
+              <a:buNone/>
+              <a:defRPr sz="880"/>
             </a:lvl3pPr>
-            <a:lvl4pPr marL="1371600" indent="0">
-              <a:buNone/>
-              <a:defRPr sz="1000"/>
+            <a:lvl4pPr marL="1005794" indent="0">
+              <a:buNone/>
+              <a:defRPr sz="733"/>
             </a:lvl4pPr>
-            <a:lvl5pPr marL="1828800" indent="0">
-              <a:buNone/>
-              <a:defRPr sz="1000"/>
+            <a:lvl5pPr marL="1341059" indent="0">
+              <a:buNone/>
+              <a:defRPr sz="733"/>
             </a:lvl5pPr>
-            <a:lvl6pPr marL="2286000" indent="0">
-              <a:buNone/>
-              <a:defRPr sz="1000"/>
+            <a:lvl6pPr marL="1676324" indent="0">
+              <a:buNone/>
+              <a:defRPr sz="733"/>
             </a:lvl6pPr>
-            <a:lvl7pPr marL="2743200" indent="0">
-              <a:buNone/>
-              <a:defRPr sz="1000"/>
+            <a:lvl7pPr marL="2011589" indent="0">
+              <a:buNone/>
+              <a:defRPr sz="733"/>
             </a:lvl7pPr>
-            <a:lvl8pPr marL="3200400" indent="0">
-              <a:buNone/>
-              <a:defRPr sz="1000"/>
+            <a:lvl8pPr marL="2346853" indent="0">
+              <a:buNone/>
+              <a:defRPr sz="733"/>
             </a:lvl8pPr>
-            <a:lvl9pPr marL="3657600" indent="0">
-              <a:buNone/>
-              <a:defRPr sz="1000"/>
+            <a:lvl9pPr marL="2682118" indent="0">
+              <a:buNone/>
+              <a:defRPr sz="733"/>
             </a:lvl9pPr>
           </a:lstStyle>
           <a:p>
@@ -3965,7 +3914,7 @@
           <a:p>
             <a:fld id="{BB9690E2-32B0-4B7F-88AC-28CD11FEDFE8}" type="datetimeFigureOut">
               <a:rPr lang="en-US" smtClean="0"/>
-              <a:t>2/6/2023</a:t>
+              <a:t>2/15/2023</a:t>
             </a:fld>
             <a:endParaRPr lang="en-US"/>
           </a:p>
@@ -4016,7 +3965,7 @@
     </p:spTree>
     <p:extLst>
       <p:ext uri="{BB962C8B-B14F-4D97-AF65-F5344CB8AC3E}">
-        <p14:creationId xmlns:p14="http://schemas.microsoft.com/office/powerpoint/2010/main" val="3783407124"/>
+        <p14:creationId xmlns:p14="http://schemas.microsoft.com/office/powerpoint/2010/main" val="193585864"/>
       </p:ext>
     </p:extLst>
   </p:cSld>
@@ -4060,8 +4009,8 @@
         </p:nvSpPr>
         <p:spPr>
           <a:xfrm>
-            <a:off x="628650" y="365126"/>
-            <a:ext cx="7886700" cy="1325563"/>
+            <a:off x="785813" y="267758"/>
+            <a:ext cx="9858375" cy="972080"/>
           </a:xfrm>
           <a:prstGeom prst="rect">
             <a:avLst/>
@@ -4093,8 +4042,8 @@
         </p:nvSpPr>
         <p:spPr>
           <a:xfrm>
-            <a:off x="628650" y="1825625"/>
-            <a:ext cx="7886700" cy="4351338"/>
+            <a:off x="785813" y="1338792"/>
+            <a:ext cx="9858375" cy="3190981"/>
           </a:xfrm>
           <a:prstGeom prst="rect">
             <a:avLst/>
@@ -4155,8 +4104,8 @@
         </p:nvSpPr>
         <p:spPr>
           <a:xfrm>
-            <a:off x="628650" y="6356351"/>
-            <a:ext cx="2057400" cy="365125"/>
+            <a:off x="785813" y="4661324"/>
+            <a:ext cx="2571750" cy="267758"/>
           </a:xfrm>
           <a:prstGeom prst="rect">
             <a:avLst/>
@@ -4166,7 +4115,7 @@
           <a:bodyPr vert="horz" lIns="91440" tIns="45720" rIns="91440" bIns="45720" rtlCol="0" anchor="ctr"/>
           <a:lstStyle>
             <a:lvl1pPr algn="l">
-              <a:defRPr sz="1200">
+              <a:defRPr sz="880">
                 <a:solidFill>
                   <a:schemeClr val="tx1">
                     <a:tint val="75000"/>
@@ -4178,7 +4127,7 @@
           <a:p>
             <a:fld id="{BB9690E2-32B0-4B7F-88AC-28CD11FEDFE8}" type="datetimeFigureOut">
               <a:rPr lang="en-US" smtClean="0"/>
-              <a:t>2/6/2023</a:t>
+              <a:t>2/15/2023</a:t>
             </a:fld>
             <a:endParaRPr lang="en-US"/>
           </a:p>
@@ -4196,8 +4145,8 @@
         </p:nvSpPr>
         <p:spPr>
           <a:xfrm>
-            <a:off x="3028950" y="6356351"/>
-            <a:ext cx="3086100" cy="365125"/>
+            <a:off x="3786188" y="4661324"/>
+            <a:ext cx="3857625" cy="267758"/>
           </a:xfrm>
           <a:prstGeom prst="rect">
             <a:avLst/>
@@ -4207,7 +4156,7 @@
           <a:bodyPr vert="horz" lIns="91440" tIns="45720" rIns="91440" bIns="45720" rtlCol="0" anchor="ctr"/>
           <a:lstStyle>
             <a:lvl1pPr algn="ctr">
-              <a:defRPr sz="1200">
+              <a:defRPr sz="880">
                 <a:solidFill>
                   <a:schemeClr val="tx1">
                     <a:tint val="75000"/>
@@ -4233,8 +4182,8 @@
         </p:nvSpPr>
         <p:spPr>
           <a:xfrm>
-            <a:off x="6457950" y="6356351"/>
-            <a:ext cx="2057400" cy="365125"/>
+            <a:off x="8072438" y="4661324"/>
+            <a:ext cx="2571750" cy="267758"/>
           </a:xfrm>
           <a:prstGeom prst="rect">
             <a:avLst/>
@@ -4244,7 +4193,7 @@
           <a:bodyPr vert="horz" lIns="91440" tIns="45720" rIns="91440" bIns="45720" rtlCol="0" anchor="ctr"/>
           <a:lstStyle>
             <a:lvl1pPr algn="r">
-              <a:defRPr sz="1200">
+              <a:defRPr sz="880">
                 <a:solidFill>
                   <a:schemeClr val="tx1">
                     <a:tint val="75000"/>
@@ -4265,27 +4214,27 @@
     </p:spTree>
     <p:extLst>
       <p:ext uri="{BB962C8B-B14F-4D97-AF65-F5344CB8AC3E}">
-        <p14:creationId xmlns:p14="http://schemas.microsoft.com/office/powerpoint/2010/main" val="1434586071"/>
+        <p14:creationId xmlns:p14="http://schemas.microsoft.com/office/powerpoint/2010/main" val="224810742"/>
       </p:ext>
     </p:extLst>
   </p:cSld>
   <p:clrMap bg1="lt1" tx1="dk1" bg2="lt2" tx2="dk2" accent1="accent1" accent2="accent2" accent3="accent3" accent4="accent4" accent5="accent5" accent6="accent6" hlink="hlink" folHlink="folHlink"/>
   <p:sldLayoutIdLst>
-    <p:sldLayoutId id="2147483661" r:id="rId1"/>
-    <p:sldLayoutId id="2147483662" r:id="rId2"/>
-    <p:sldLayoutId id="2147483663" r:id="rId3"/>
-    <p:sldLayoutId id="2147483664" r:id="rId4"/>
-    <p:sldLayoutId id="2147483665" r:id="rId5"/>
-    <p:sldLayoutId id="2147483666" r:id="rId6"/>
-    <p:sldLayoutId id="2147483667" r:id="rId7"/>
-    <p:sldLayoutId id="2147483668" r:id="rId8"/>
-    <p:sldLayoutId id="2147483669" r:id="rId9"/>
-    <p:sldLayoutId id="2147483670" r:id="rId10"/>
-    <p:sldLayoutId id="2147483671" r:id="rId11"/>
+    <p:sldLayoutId id="2147483673" r:id="rId1"/>
+    <p:sldLayoutId id="2147483674" r:id="rId2"/>
+    <p:sldLayoutId id="2147483675" r:id="rId3"/>
+    <p:sldLayoutId id="2147483676" r:id="rId4"/>
+    <p:sldLayoutId id="2147483677" r:id="rId5"/>
+    <p:sldLayoutId id="2147483678" r:id="rId6"/>
+    <p:sldLayoutId id="2147483679" r:id="rId7"/>
+    <p:sldLayoutId id="2147483680" r:id="rId8"/>
+    <p:sldLayoutId id="2147483681" r:id="rId9"/>
+    <p:sldLayoutId id="2147483682" r:id="rId10"/>
+    <p:sldLayoutId id="2147483683" r:id="rId11"/>
   </p:sldLayoutIdLst>
   <p:txStyles>
     <p:titleStyle>
-      <a:lvl1pPr algn="l" defTabSz="914400" rtl="0" eaLnBrk="1" latinLnBrk="0" hangingPunct="1">
+      <a:lvl1pPr algn="l" defTabSz="670530" rtl="0" eaLnBrk="1" latinLnBrk="0" hangingPunct="1">
         <a:lnSpc>
           <a:spcPct val="90000"/>
         </a:lnSpc>
@@ -4293,7 +4242,7 @@
           <a:spcPct val="0"/>
         </a:spcBef>
         <a:buNone/>
-        <a:defRPr sz="4400" kern="1200">
+        <a:defRPr sz="3227" kern="1200">
           <a:solidFill>
             <a:schemeClr val="tx1"/>
           </a:solidFill>
@@ -4304,16 +4253,16 @@
       </a:lvl1pPr>
     </p:titleStyle>
     <p:bodyStyle>
-      <a:lvl1pPr marL="228600" indent="-228600" algn="l" defTabSz="914400" rtl="0" eaLnBrk="1" latinLnBrk="0" hangingPunct="1">
+      <a:lvl1pPr marL="167632" indent="-167632" algn="l" defTabSz="670530" rtl="0" eaLnBrk="1" latinLnBrk="0" hangingPunct="1">
         <a:lnSpc>
           <a:spcPct val="90000"/>
         </a:lnSpc>
         <a:spcBef>
-          <a:spcPts val="1000"/>
+          <a:spcPts val="733"/>
         </a:spcBef>
         <a:buFont typeface="Arial" panose="020B0604020202020204" pitchFamily="34" charset="0"/>
         <a:buChar char="•"/>
-        <a:defRPr sz="2800" kern="1200">
+        <a:defRPr sz="2053" kern="1200">
           <a:solidFill>
             <a:schemeClr val="tx1"/>
           </a:solidFill>
@@ -4322,16 +4271,16 @@
           <a:cs typeface="+mn-cs"/>
         </a:defRPr>
       </a:lvl1pPr>
-      <a:lvl2pPr marL="685800" indent="-228600" algn="l" defTabSz="914400" rtl="0" eaLnBrk="1" latinLnBrk="0" hangingPunct="1">
+      <a:lvl2pPr marL="502897" indent="-167632" algn="l" defTabSz="670530" rtl="0" eaLnBrk="1" latinLnBrk="0" hangingPunct="1">
         <a:lnSpc>
           <a:spcPct val="90000"/>
         </a:lnSpc>
         <a:spcBef>
-          <a:spcPts val="500"/>
+          <a:spcPts val="367"/>
         </a:spcBef>
         <a:buFont typeface="Arial" panose="020B0604020202020204" pitchFamily="34" charset="0"/>
         <a:buChar char="•"/>
-        <a:defRPr sz="2400" kern="1200">
+        <a:defRPr sz="1760" kern="1200">
           <a:solidFill>
             <a:schemeClr val="tx1"/>
           </a:solidFill>
@@ -4340,16 +4289,16 @@
           <a:cs typeface="+mn-cs"/>
         </a:defRPr>
       </a:lvl2pPr>
-      <a:lvl3pPr marL="1143000" indent="-228600" algn="l" defTabSz="914400" rtl="0" eaLnBrk="1" latinLnBrk="0" hangingPunct="1">
+      <a:lvl3pPr marL="838162" indent="-167632" algn="l" defTabSz="670530" rtl="0" eaLnBrk="1" latinLnBrk="0" hangingPunct="1">
         <a:lnSpc>
           <a:spcPct val="90000"/>
         </a:lnSpc>
         <a:spcBef>
-          <a:spcPts val="500"/>
+          <a:spcPts val="367"/>
         </a:spcBef>
         <a:buFont typeface="Arial" panose="020B0604020202020204" pitchFamily="34" charset="0"/>
         <a:buChar char="•"/>
-        <a:defRPr sz="2000" kern="1200">
+        <a:defRPr sz="1467" kern="1200">
           <a:solidFill>
             <a:schemeClr val="tx1"/>
           </a:solidFill>
@@ -4358,16 +4307,16 @@
           <a:cs typeface="+mn-cs"/>
         </a:defRPr>
       </a:lvl3pPr>
-      <a:lvl4pPr marL="1600200" indent="-228600" algn="l" defTabSz="914400" rtl="0" eaLnBrk="1" latinLnBrk="0" hangingPunct="1">
+      <a:lvl4pPr marL="1173427" indent="-167632" algn="l" defTabSz="670530" rtl="0" eaLnBrk="1" latinLnBrk="0" hangingPunct="1">
         <a:lnSpc>
           <a:spcPct val="90000"/>
         </a:lnSpc>
         <a:spcBef>
-          <a:spcPts val="500"/>
+          <a:spcPts val="367"/>
         </a:spcBef>
         <a:buFont typeface="Arial" panose="020B0604020202020204" pitchFamily="34" charset="0"/>
         <a:buChar char="•"/>
-        <a:defRPr sz="1800" kern="1200">
+        <a:defRPr sz="1320" kern="1200">
           <a:solidFill>
             <a:schemeClr val="tx1"/>
           </a:solidFill>
@@ -4376,16 +4325,16 @@
           <a:cs typeface="+mn-cs"/>
         </a:defRPr>
       </a:lvl4pPr>
-      <a:lvl5pPr marL="2057400" indent="-228600" algn="l" defTabSz="914400" rtl="0" eaLnBrk="1" latinLnBrk="0" hangingPunct="1">
+      <a:lvl5pPr marL="1508691" indent="-167632" algn="l" defTabSz="670530" rtl="0" eaLnBrk="1" latinLnBrk="0" hangingPunct="1">
         <a:lnSpc>
           <a:spcPct val="90000"/>
         </a:lnSpc>
         <a:spcBef>
-          <a:spcPts val="500"/>
+          <a:spcPts val="367"/>
         </a:spcBef>
         <a:buFont typeface="Arial" panose="020B0604020202020204" pitchFamily="34" charset="0"/>
         <a:buChar char="•"/>
-        <a:defRPr sz="1800" kern="1200">
+        <a:defRPr sz="1320" kern="1200">
           <a:solidFill>
             <a:schemeClr val="tx1"/>
           </a:solidFill>
@@ -4394,16 +4343,16 @@
           <a:cs typeface="+mn-cs"/>
         </a:defRPr>
       </a:lvl5pPr>
-      <a:lvl6pPr marL="2514600" indent="-228600" algn="l" defTabSz="914400" rtl="0" eaLnBrk="1" latinLnBrk="0" hangingPunct="1">
+      <a:lvl6pPr marL="1843956" indent="-167632" algn="l" defTabSz="670530" rtl="0" eaLnBrk="1" latinLnBrk="0" hangingPunct="1">
         <a:lnSpc>
           <a:spcPct val="90000"/>
         </a:lnSpc>
         <a:spcBef>
-          <a:spcPts val="500"/>
+          <a:spcPts val="367"/>
         </a:spcBef>
         <a:buFont typeface="Arial" panose="020B0604020202020204" pitchFamily="34" charset="0"/>
         <a:buChar char="•"/>
-        <a:defRPr sz="1800" kern="1200">
+        <a:defRPr sz="1320" kern="1200">
           <a:solidFill>
             <a:schemeClr val="tx1"/>
           </a:solidFill>
@@ -4412,16 +4361,16 @@
           <a:cs typeface="+mn-cs"/>
         </a:defRPr>
       </a:lvl6pPr>
-      <a:lvl7pPr marL="2971800" indent="-228600" algn="l" defTabSz="914400" rtl="0" eaLnBrk="1" latinLnBrk="0" hangingPunct="1">
+      <a:lvl7pPr marL="2179221" indent="-167632" algn="l" defTabSz="670530" rtl="0" eaLnBrk="1" latinLnBrk="0" hangingPunct="1">
         <a:lnSpc>
           <a:spcPct val="90000"/>
         </a:lnSpc>
         <a:spcBef>
-          <a:spcPts val="500"/>
+          <a:spcPts val="367"/>
         </a:spcBef>
         <a:buFont typeface="Arial" panose="020B0604020202020204" pitchFamily="34" charset="0"/>
         <a:buChar char="•"/>
-        <a:defRPr sz="1800" kern="1200">
+        <a:defRPr sz="1320" kern="1200">
           <a:solidFill>
             <a:schemeClr val="tx1"/>
           </a:solidFill>
@@ -4430,16 +4379,16 @@
           <a:cs typeface="+mn-cs"/>
         </a:defRPr>
       </a:lvl7pPr>
-      <a:lvl8pPr marL="3429000" indent="-228600" algn="l" defTabSz="914400" rtl="0" eaLnBrk="1" latinLnBrk="0" hangingPunct="1">
+      <a:lvl8pPr marL="2514486" indent="-167632" algn="l" defTabSz="670530" rtl="0" eaLnBrk="1" latinLnBrk="0" hangingPunct="1">
         <a:lnSpc>
           <a:spcPct val="90000"/>
         </a:lnSpc>
         <a:spcBef>
-          <a:spcPts val="500"/>
+          <a:spcPts val="367"/>
         </a:spcBef>
         <a:buFont typeface="Arial" panose="020B0604020202020204" pitchFamily="34" charset="0"/>
         <a:buChar char="•"/>
-        <a:defRPr sz="1800" kern="1200">
+        <a:defRPr sz="1320" kern="1200">
           <a:solidFill>
             <a:schemeClr val="tx1"/>
           </a:solidFill>
@@ -4448,16 +4397,16 @@
           <a:cs typeface="+mn-cs"/>
         </a:defRPr>
       </a:lvl8pPr>
-      <a:lvl9pPr marL="3886200" indent="-228600" algn="l" defTabSz="914400" rtl="0" eaLnBrk="1" latinLnBrk="0" hangingPunct="1">
+      <a:lvl9pPr marL="2849750" indent="-167632" algn="l" defTabSz="670530" rtl="0" eaLnBrk="1" latinLnBrk="0" hangingPunct="1">
         <a:lnSpc>
           <a:spcPct val="90000"/>
         </a:lnSpc>
         <a:spcBef>
-          <a:spcPts val="500"/>
+          <a:spcPts val="367"/>
         </a:spcBef>
         <a:buFont typeface="Arial" panose="020B0604020202020204" pitchFamily="34" charset="0"/>
         <a:buChar char="•"/>
-        <a:defRPr sz="1800" kern="1200">
+        <a:defRPr sz="1320" kern="1200">
           <a:solidFill>
             <a:schemeClr val="tx1"/>
           </a:solidFill>
@@ -4471,8 +4420,8 @@
       <a:defPPr>
         <a:defRPr lang="en-US"/>
       </a:defPPr>
-      <a:lvl1pPr marL="0" algn="l" defTabSz="914400" rtl="0" eaLnBrk="1" latinLnBrk="0" hangingPunct="1">
-        <a:defRPr sz="1800" kern="1200">
+      <a:lvl1pPr marL="0" algn="l" defTabSz="670530" rtl="0" eaLnBrk="1" latinLnBrk="0" hangingPunct="1">
+        <a:defRPr sz="1320" kern="1200">
           <a:solidFill>
             <a:schemeClr val="tx1"/>
           </a:solidFill>
@@ -4481,8 +4430,8 @@
           <a:cs typeface="+mn-cs"/>
         </a:defRPr>
       </a:lvl1pPr>
-      <a:lvl2pPr marL="457200" algn="l" defTabSz="914400" rtl="0" eaLnBrk="1" latinLnBrk="0" hangingPunct="1">
-        <a:defRPr sz="1800" kern="1200">
+      <a:lvl2pPr marL="335265" algn="l" defTabSz="670530" rtl="0" eaLnBrk="1" latinLnBrk="0" hangingPunct="1">
+        <a:defRPr sz="1320" kern="1200">
           <a:solidFill>
             <a:schemeClr val="tx1"/>
           </a:solidFill>
@@ -4491,8 +4440,8 @@
           <a:cs typeface="+mn-cs"/>
         </a:defRPr>
       </a:lvl2pPr>
-      <a:lvl3pPr marL="914400" algn="l" defTabSz="914400" rtl="0" eaLnBrk="1" latinLnBrk="0" hangingPunct="1">
-        <a:defRPr sz="1800" kern="1200">
+      <a:lvl3pPr marL="670530" algn="l" defTabSz="670530" rtl="0" eaLnBrk="1" latinLnBrk="0" hangingPunct="1">
+        <a:defRPr sz="1320" kern="1200">
           <a:solidFill>
             <a:schemeClr val="tx1"/>
           </a:solidFill>
@@ -4501,8 +4450,8 @@
           <a:cs typeface="+mn-cs"/>
         </a:defRPr>
       </a:lvl3pPr>
-      <a:lvl4pPr marL="1371600" algn="l" defTabSz="914400" rtl="0" eaLnBrk="1" latinLnBrk="0" hangingPunct="1">
-        <a:defRPr sz="1800" kern="1200">
+      <a:lvl4pPr marL="1005794" algn="l" defTabSz="670530" rtl="0" eaLnBrk="1" latinLnBrk="0" hangingPunct="1">
+        <a:defRPr sz="1320" kern="1200">
           <a:solidFill>
             <a:schemeClr val="tx1"/>
           </a:solidFill>
@@ -4511,8 +4460,8 @@
           <a:cs typeface="+mn-cs"/>
         </a:defRPr>
       </a:lvl4pPr>
-      <a:lvl5pPr marL="1828800" algn="l" defTabSz="914400" rtl="0" eaLnBrk="1" latinLnBrk="0" hangingPunct="1">
-        <a:defRPr sz="1800" kern="1200">
+      <a:lvl5pPr marL="1341059" algn="l" defTabSz="670530" rtl="0" eaLnBrk="1" latinLnBrk="0" hangingPunct="1">
+        <a:defRPr sz="1320" kern="1200">
           <a:solidFill>
             <a:schemeClr val="tx1"/>
           </a:solidFill>
@@ -4521,8 +4470,8 @@
           <a:cs typeface="+mn-cs"/>
         </a:defRPr>
       </a:lvl5pPr>
-      <a:lvl6pPr marL="2286000" algn="l" defTabSz="914400" rtl="0" eaLnBrk="1" latinLnBrk="0" hangingPunct="1">
-        <a:defRPr sz="1800" kern="1200">
+      <a:lvl6pPr marL="1676324" algn="l" defTabSz="670530" rtl="0" eaLnBrk="1" latinLnBrk="0" hangingPunct="1">
+        <a:defRPr sz="1320" kern="1200">
           <a:solidFill>
             <a:schemeClr val="tx1"/>
           </a:solidFill>
@@ -4531,8 +4480,8 @@
           <a:cs typeface="+mn-cs"/>
         </a:defRPr>
       </a:lvl6pPr>
-      <a:lvl7pPr marL="2743200" algn="l" defTabSz="914400" rtl="0" eaLnBrk="1" latinLnBrk="0" hangingPunct="1">
-        <a:defRPr sz="1800" kern="1200">
+      <a:lvl7pPr marL="2011589" algn="l" defTabSz="670530" rtl="0" eaLnBrk="1" latinLnBrk="0" hangingPunct="1">
+        <a:defRPr sz="1320" kern="1200">
           <a:solidFill>
             <a:schemeClr val="tx1"/>
           </a:solidFill>
@@ -4541,8 +4490,8 @@
           <a:cs typeface="+mn-cs"/>
         </a:defRPr>
       </a:lvl7pPr>
-      <a:lvl8pPr marL="3200400" algn="l" defTabSz="914400" rtl="0" eaLnBrk="1" latinLnBrk="0" hangingPunct="1">
-        <a:defRPr sz="1800" kern="1200">
+      <a:lvl8pPr marL="2346853" algn="l" defTabSz="670530" rtl="0" eaLnBrk="1" latinLnBrk="0" hangingPunct="1">
+        <a:defRPr sz="1320" kern="1200">
           <a:solidFill>
             <a:schemeClr val="tx1"/>
           </a:solidFill>
@@ -4551,8 +4500,8 @@
           <a:cs typeface="+mn-cs"/>
         </a:defRPr>
       </a:lvl8pPr>
-      <a:lvl9pPr marL="3657600" algn="l" defTabSz="914400" rtl="0" eaLnBrk="1" latinLnBrk="0" hangingPunct="1">
-        <a:defRPr sz="1800" kern="1200">
+      <a:lvl9pPr marL="2682118" algn="l" defTabSz="670530" rtl="0" eaLnBrk="1" latinLnBrk="0" hangingPunct="1">
+        <a:defRPr sz="1320" kern="1200">
           <a:solidFill>
             <a:schemeClr val="tx1"/>
           </a:solidFill>
@@ -4598,14 +4547,14 @@
           <p:nvPr>
             <p:extLst>
               <p:ext uri="{D42A27DB-BD31-4B8C-83A1-F6EECF244321}">
-                <p14:modId xmlns:p14="http://schemas.microsoft.com/office/powerpoint/2010/main" val="4219246419"/>
+                <p14:modId xmlns:p14="http://schemas.microsoft.com/office/powerpoint/2010/main" val="3344145074"/>
               </p:ext>
             </p:extLst>
           </p:nvPr>
         </p:nvGraphicFramePr>
         <p:xfrm>
           <a:off x="0" y="0"/>
-          <a:ext cx="9144000" cy="6858000"/>
+          <a:ext cx="11430000" cy="5029200"/>
         </p:xfrm>
         <a:graphic>
           <a:graphicData uri="http://schemas.openxmlformats.org/drawingml/2006/chart">

--- a/images/rsoy_completion.pptx
+++ b/images/rsoy_completion.pptx
@@ -160,10 +160,12 @@
           </c:tx>
           <c:spPr>
             <a:solidFill>
-              <a:srgbClr val="009944"/>
+              <a:srgbClr val="70AD47"/>
             </a:solidFill>
-            <a:ln>
-              <a:noFill/>
+            <a:ln w="28575">
+              <a:solidFill>
+                <a:sysClr val="windowText" lastClr="000000"/>
+              </a:solidFill>
             </a:ln>
             <a:effectLst/>
           </c:spPr>
@@ -176,7 +178,7 @@
                   <a:bodyPr/>
                   <a:lstStyle/>
                   <a:p>
-                    <a:fld id="{C6CAE1CE-8D5D-4E3A-ADDB-7150851E2D1E}" type="CELLRANGE">
+                    <a:fld id="{C5236281-B10F-4F60-82E0-60D6DA3D972B}" type="CELLRANGE">
                       <a:rPr lang="en-US"/>
                       <a:pPr/>
                       <a:t>[CELLRANGE]</a:t>
@@ -210,7 +212,7 @@
                   <a:bodyPr/>
                   <a:lstStyle/>
                   <a:p>
-                    <a:fld id="{68EFD304-250D-4B3F-8178-64C7992C46FD}" type="CELLRANGE">
+                    <a:fld id="{3F08B2F0-B189-4C95-BBFD-46183C727743}" type="CELLRANGE">
                       <a:rPr lang="en-US"/>
                       <a:pPr/>
                       <a:t>[CELLRANGE]</a:t>
@@ -244,7 +246,7 @@
                   <a:bodyPr/>
                   <a:lstStyle/>
                   <a:p>
-                    <a:fld id="{102B66EB-6526-4076-A74C-DD175F6539BE}" type="CELLRANGE">
+                    <a:fld id="{6445F3EF-2539-4BE8-A806-973BE488E7A3}" type="CELLRANGE">
                       <a:rPr lang="en-US"/>
                       <a:pPr/>
                       <a:t>[CELLRANGE]</a:t>
@@ -278,7 +280,7 @@
                   <a:bodyPr/>
                   <a:lstStyle/>
                   <a:p>
-                    <a:fld id="{036CF2F0-D3E7-44A2-98C6-EC0AECE1A581}" type="CELLRANGE">
+                    <a:fld id="{3E90AA88-5E95-4DFA-ACF4-58E419CEC2EC}" type="CELLRANGE">
                       <a:rPr lang="en-US"/>
                       <a:pPr/>
                       <a:t>[CELLRANGE]</a:t>
@@ -312,7 +314,7 @@
                   <a:bodyPr/>
                   <a:lstStyle/>
                   <a:p>
-                    <a:fld id="{3B48CB8D-2EE0-4AC6-AA68-5D305C69EE4D}" type="CELLRANGE">
+                    <a:fld id="{AE353ECC-3500-4252-A85E-70A8FECA75E6}" type="CELLRANGE">
                       <a:rPr lang="en-US"/>
                       <a:pPr/>
                       <a:t>[CELLRANGE]</a:t>
@@ -346,7 +348,7 @@
                   <a:bodyPr/>
                   <a:lstStyle/>
                   <a:p>
-                    <a:fld id="{A45FD9F3-D312-47F0-8847-158452D068FC}" type="CELLRANGE">
+                    <a:fld id="{49025B87-36A2-4B03-89E0-326AB58870ED}" type="CELLRANGE">
                       <a:rPr lang="en-US"/>
                       <a:pPr/>
                       <a:t>[CELLRANGE]</a:t>
@@ -387,7 +389,7 @@
                 <a:pPr>
                   <a:defRPr sz="2800" b="0" i="0" u="none" strike="noStrike" kern="1200" baseline="0">
                     <a:solidFill>
-                      <a:schemeClr val="bg1"/>
+                      <a:schemeClr val="tx1"/>
                     </a:solidFill>
                     <a:latin typeface="+mn-lt"/>
                     <a:ea typeface="+mn-ea"/>
@@ -527,10 +529,12 @@
           </c:tx>
           <c:spPr>
             <a:solidFill>
-              <a:srgbClr val="C00000"/>
+              <a:srgbClr val="ED7D31"/>
             </a:solidFill>
-            <a:ln>
-              <a:noFill/>
+            <a:ln w="28575">
+              <a:solidFill>
+                <a:sysClr val="windowText" lastClr="000000"/>
+              </a:solidFill>
             </a:ln>
             <a:effectLst/>
           </c:spPr>
@@ -543,7 +547,7 @@
                   <a:bodyPr/>
                   <a:lstStyle/>
                   <a:p>
-                    <a:fld id="{E1B3F12B-7E9D-453B-9EA2-169883CDB5A8}" type="CELLRANGE">
+                    <a:fld id="{2F5C11EE-1ACC-49F1-9DE8-71D5D29E0C7B}" type="CELLRANGE">
                       <a:rPr lang="en-US"/>
                       <a:pPr/>
                       <a:t>[CELLRANGE]</a:t>
@@ -572,12 +576,18 @@
             </c:dLbl>
             <c:dLbl>
               <c:idx val="1"/>
+              <c:layout>
+                <c:manualLayout>
+                  <c:x val="-1.1111111111111519E-3"/>
+                  <c:y val="-1.0101010101010124E-2"/>
+                </c:manualLayout>
+              </c:layout>
               <c:tx>
                 <c:rich>
                   <a:bodyPr/>
                   <a:lstStyle/>
                   <a:p>
-                    <a:fld id="{08378890-E5D6-40E1-9C99-8EA6BE2283F1}" type="CELLRANGE">
+                    <a:fld id="{FCAF26B5-E009-479C-BBBA-60F9A55E680B}" type="CELLRANGE">
                       <a:rPr lang="en-US"/>
                       <a:pPr/>
                       <a:t>[CELLRANGE]</a:t>
@@ -596,7 +606,6 @@
               <c:extLst>
                 <c:ext xmlns:c15="http://schemas.microsoft.com/office/drawing/2012/chart" uri="{CE6537A1-D6FC-4f65-9D91-7224C49458BB}">
                   <c15:dlblFieldTable/>
-                  <c15:xForSave val="1"/>
                   <c15:showDataLabelsRange val="1"/>
                 </c:ext>
                 <c:ext xmlns:c16="http://schemas.microsoft.com/office/drawing/2014/chart" uri="{C3380CC4-5D6E-409C-BE32-E72D297353CC}">
@@ -611,7 +620,7 @@
                   <a:bodyPr/>
                   <a:lstStyle/>
                   <a:p>
-                    <a:fld id="{517A76A9-31C2-4811-B226-53EB25739A21}" type="CELLRANGE">
+                    <a:fld id="{81775E01-96F0-4953-980C-D6B7E8D45D54}" type="CELLRANGE">
                       <a:rPr lang="en-US"/>
                       <a:pPr/>
                       <a:t>[CELLRANGE]</a:t>
@@ -645,7 +654,7 @@
                   <a:bodyPr/>
                   <a:lstStyle/>
                   <a:p>
-                    <a:fld id="{FD43C902-B581-40FB-87BD-8043543AEE03}" type="CELLRANGE">
+                    <a:fld id="{8888CB82-EAC0-4343-A1CD-514C5AA52446}" type="CELLRANGE">
                       <a:rPr lang="en-US"/>
                       <a:pPr/>
                       <a:t>[CELLRANGE]</a:t>
@@ -679,7 +688,7 @@
                   <a:bodyPr/>
                   <a:lstStyle/>
                   <a:p>
-                    <a:fld id="{3802D731-0306-4CCB-8CF1-FC93B5105F93}" type="CELLRANGE">
+                    <a:fld id="{CBEBF35E-2DD8-4B64-930D-F8578CB8A6D3}" type="CELLRANGE">
                       <a:rPr lang="en-US"/>
                       <a:pPr/>
                       <a:t>[CELLRANGE]</a:t>
@@ -713,7 +722,7 @@
                   <a:bodyPr/>
                   <a:lstStyle/>
                   <a:p>
-                    <a:fld id="{9F2CDDF6-A3EC-4687-94EA-906C9A8EB7CC}" type="CELLRANGE">
+                    <a:fld id="{6D890C99-7140-4465-AEEC-1DB717ED1A1A}" type="CELLRANGE">
                       <a:rPr lang="en-US"/>
                       <a:pPr/>
                       <a:t>[CELLRANGE]</a:t>
@@ -754,7 +763,7 @@
                 <a:pPr>
                   <a:defRPr sz="2800" b="0" i="0" u="none" strike="noStrike" kern="1200" baseline="0">
                     <a:solidFill>
-                      <a:schemeClr val="bg1"/>
+                      <a:schemeClr val="tx1"/>
                     </a:solidFill>
                     <a:latin typeface="+mn-lt"/>
                     <a:ea typeface="+mn-ea"/>
@@ -1802,7 +1811,7 @@
           <a:p>
             <a:fld id="{BB9690E2-32B0-4B7F-88AC-28CD11FEDFE8}" type="datetimeFigureOut">
               <a:rPr lang="en-US" smtClean="0"/>
-              <a:t>2/15/2023</a:t>
+              <a:t>2/21/2023</a:t>
             </a:fld>
             <a:endParaRPr lang="en-US"/>
           </a:p>
@@ -1972,7 +1981,7 @@
           <a:p>
             <a:fld id="{BB9690E2-32B0-4B7F-88AC-28CD11FEDFE8}" type="datetimeFigureOut">
               <a:rPr lang="en-US" smtClean="0"/>
-              <a:t>2/15/2023</a:t>
+              <a:t>2/21/2023</a:t>
             </a:fld>
             <a:endParaRPr lang="en-US"/>
           </a:p>
@@ -2152,7 +2161,7 @@
           <a:p>
             <a:fld id="{BB9690E2-32B0-4B7F-88AC-28CD11FEDFE8}" type="datetimeFigureOut">
               <a:rPr lang="en-US" smtClean="0"/>
-              <a:t>2/15/2023</a:t>
+              <a:t>2/21/2023</a:t>
             </a:fld>
             <a:endParaRPr lang="en-US"/>
           </a:p>
@@ -2322,7 +2331,7 @@
           <a:p>
             <a:fld id="{BB9690E2-32B0-4B7F-88AC-28CD11FEDFE8}" type="datetimeFigureOut">
               <a:rPr lang="en-US" smtClean="0"/>
-              <a:t>2/15/2023</a:t>
+              <a:t>2/21/2023</a:t>
             </a:fld>
             <a:endParaRPr lang="en-US"/>
           </a:p>
@@ -2568,7 +2577,7 @@
           <a:p>
             <a:fld id="{BB9690E2-32B0-4B7F-88AC-28CD11FEDFE8}" type="datetimeFigureOut">
               <a:rPr lang="en-US" smtClean="0"/>
-              <a:t>2/15/2023</a:t>
+              <a:t>2/21/2023</a:t>
             </a:fld>
             <a:endParaRPr lang="en-US"/>
           </a:p>
@@ -2800,7 +2809,7 @@
           <a:p>
             <a:fld id="{BB9690E2-32B0-4B7F-88AC-28CD11FEDFE8}" type="datetimeFigureOut">
               <a:rPr lang="en-US" smtClean="0"/>
-              <a:t>2/15/2023</a:t>
+              <a:t>2/21/2023</a:t>
             </a:fld>
             <a:endParaRPr lang="en-US"/>
           </a:p>
@@ -3167,7 +3176,7 @@
           <a:p>
             <a:fld id="{BB9690E2-32B0-4B7F-88AC-28CD11FEDFE8}" type="datetimeFigureOut">
               <a:rPr lang="en-US" smtClean="0"/>
-              <a:t>2/15/2023</a:t>
+              <a:t>2/21/2023</a:t>
             </a:fld>
             <a:endParaRPr lang="en-US"/>
           </a:p>
@@ -3285,7 +3294,7 @@
           <a:p>
             <a:fld id="{BB9690E2-32B0-4B7F-88AC-28CD11FEDFE8}" type="datetimeFigureOut">
               <a:rPr lang="en-US" smtClean="0"/>
-              <a:t>2/15/2023</a:t>
+              <a:t>2/21/2023</a:t>
             </a:fld>
             <a:endParaRPr lang="en-US"/>
           </a:p>
@@ -3380,7 +3389,7 @@
           <a:p>
             <a:fld id="{BB9690E2-32B0-4B7F-88AC-28CD11FEDFE8}" type="datetimeFigureOut">
               <a:rPr lang="en-US" smtClean="0"/>
-              <a:t>2/15/2023</a:t>
+              <a:t>2/21/2023</a:t>
             </a:fld>
             <a:endParaRPr lang="en-US"/>
           </a:p>
@@ -3657,7 +3666,7 @@
           <a:p>
             <a:fld id="{BB9690E2-32B0-4B7F-88AC-28CD11FEDFE8}" type="datetimeFigureOut">
               <a:rPr lang="en-US" smtClean="0"/>
-              <a:t>2/15/2023</a:t>
+              <a:t>2/21/2023</a:t>
             </a:fld>
             <a:endParaRPr lang="en-US"/>
           </a:p>
@@ -3914,7 +3923,7 @@
           <a:p>
             <a:fld id="{BB9690E2-32B0-4B7F-88AC-28CD11FEDFE8}" type="datetimeFigureOut">
               <a:rPr lang="en-US" smtClean="0"/>
-              <a:t>2/15/2023</a:t>
+              <a:t>2/21/2023</a:t>
             </a:fld>
             <a:endParaRPr lang="en-US"/>
           </a:p>
@@ -4127,7 +4136,7 @@
           <a:p>
             <a:fld id="{BB9690E2-32B0-4B7F-88AC-28CD11FEDFE8}" type="datetimeFigureOut">
               <a:rPr lang="en-US" smtClean="0"/>
-              <a:t>2/15/2023</a:t>
+              <a:t>2/21/2023</a:t>
             </a:fld>
             <a:endParaRPr lang="en-US"/>
           </a:p>
@@ -4547,7 +4556,7 @@
           <p:nvPr>
             <p:extLst>
               <p:ext uri="{D42A27DB-BD31-4B8C-83A1-F6EECF244321}">
-                <p14:modId xmlns:p14="http://schemas.microsoft.com/office/powerpoint/2010/main" val="3344145074"/>
+                <p14:modId xmlns:p14="http://schemas.microsoft.com/office/powerpoint/2010/main" val="1676488682"/>
               </p:ext>
             </p:extLst>
           </p:nvPr>
